--- a/Skaidres/10_paskaita (Virtuali aplinka, paleidžiamieji failai).pptx
+++ b/Skaidres/10_paskaita (Virtuali aplinka, paleidžiamieji failai).pptx
@@ -30,7 +30,6 @@
     <p:sldId id="273" r:id="rId25"/>
     <p:sldId id="274" r:id="rId26"/>
     <p:sldId id="275" r:id="rId27"/>
-    <p:sldId id="276" r:id="rId28"/>
   </p:sldIdLst>
   <p:sldSz cx="12192000" cy="6858000"/>
   <p:notesSz cx="7559675" cy="10691813"/>
@@ -9846,7 +9845,13 @@
               <a:rPr b="0" lang="lt-LT" sz="4400" spc="-1" strike="noStrike">
                 <a:latin typeface="Arial"/>
               </a:rPr>
-              <a:t>Click to edit the title text format</a:t>
+              <a:t>Click to edit the </a:t>
+            </a:r>
+            <a:r>
+              <a:rPr b="0" lang="lt-LT" sz="4400" spc="-1" strike="noStrike">
+                <a:latin typeface="Arial"/>
+              </a:rPr>
+              <a:t>title text format</a:t>
             </a:r>
             <a:endParaRPr b="0" lang="lt-LT" sz="4400" spc="-1" strike="noStrike">
               <a:latin typeface="Arial"/>
@@ -10699,7 +10704,13 @@
               <a:rPr b="0" lang="lt-LT" sz="4400" spc="-1" strike="noStrike">
                 <a:latin typeface="Arial"/>
               </a:rPr>
-              <a:t>Click to edit the title text format</a:t>
+              <a:t>Click to edit the </a:t>
+            </a:r>
+            <a:r>
+              <a:rPr b="0" lang="lt-LT" sz="4400" spc="-1" strike="noStrike">
+                <a:latin typeface="Arial"/>
+              </a:rPr>
+              <a:t>title text format</a:t>
             </a:r>
             <a:endParaRPr b="0" lang="lt-LT" sz="4400" spc="-1" strike="noStrike">
               <a:latin typeface="Arial"/>
@@ -12191,7 +12202,13 @@
               <a:rPr b="0" lang="lt-LT" sz="4400" spc="-1" strike="noStrike">
                 <a:latin typeface="Arial"/>
               </a:rPr>
-              <a:t>Click to edit the title text format</a:t>
+              <a:t>Click to edit the title </a:t>
+            </a:r>
+            <a:r>
+              <a:rPr b="0" lang="lt-LT" sz="4400" spc="-1" strike="noStrike">
+                <a:latin typeface="Arial"/>
+              </a:rPr>
+              <a:t>text format</a:t>
             </a:r>
             <a:endParaRPr b="0" lang="lt-LT" sz="4400" spc="-1" strike="noStrike">
               <a:latin typeface="Arial"/>
@@ -13044,7 +13061,13 @@
               <a:rPr b="0" lang="lt-LT" sz="4400" spc="-1" strike="noStrike">
                 <a:latin typeface="Arial"/>
               </a:rPr>
-              <a:t>Click to edit the title text format</a:t>
+              <a:t>Click to edit the title </a:t>
+            </a:r>
+            <a:r>
+              <a:rPr b="0" lang="lt-LT" sz="4400" spc="-1" strike="noStrike">
+                <a:latin typeface="Arial"/>
+              </a:rPr>
+              <a:t>text format</a:t>
             </a:r>
             <a:endParaRPr b="0" lang="lt-LT" sz="4400" spc="-1" strike="noStrike">
               <a:latin typeface="Arial"/>
@@ -18191,11 +18214,8 @@
           <a:p>
             <a:pPr>
               <a:lnSpc>
-                <a:spcPct val="90000"/>
+                <a:spcPct val="100000"/>
               </a:lnSpc>
-              <a:spcBef>
-                <a:spcPts val="1001"/>
-              </a:spcBef>
               <a:buNone/>
             </a:pPr>
             <a:r>
@@ -18212,6 +18232,34 @@
               <a:latin typeface="Arial"/>
             </a:endParaRPr>
           </a:p>
+          <a:p>
+            <a:pPr>
+              <a:lnSpc>
+                <a:spcPct val="90000"/>
+              </a:lnSpc>
+              <a:spcBef>
+                <a:spcPts val="1001"/>
+              </a:spcBef>
+              <a:buNone/>
+            </a:pPr>
+            <a:endParaRPr b="0" lang="lt-LT" sz="1300" spc="-1" strike="noStrike">
+              <a:latin typeface="Arial"/>
+            </a:endParaRPr>
+          </a:p>
+          <a:p>
+            <a:pPr>
+              <a:lnSpc>
+                <a:spcPct val="90000"/>
+              </a:lnSpc>
+              <a:spcBef>
+                <a:spcPts val="1001"/>
+              </a:spcBef>
+              <a:buNone/>
+            </a:pPr>
+            <a:endParaRPr b="0" lang="lt-LT" sz="1300" spc="-1" strike="noStrike">
+              <a:latin typeface="Arial"/>
+            </a:endParaRPr>
+          </a:p>
         </p:txBody>
       </p:sp>
       <p:grpSp>
@@ -18222,9 +18270,9 @@
         </p:nvGrpSpPr>
         <p:grpSpPr>
           <a:xfrm>
-            <a:off x="479880" y="898200"/>
+            <a:off x="480240" y="914400"/>
             <a:ext cx="1833120" cy="462240"/>
-            <a:chOff x="479880" y="898200"/>
+            <a:chOff x="480240" y="914400"/>
             <a:chExt cx="1833120" cy="462240"/>
           </a:xfrm>
         </p:grpSpPr>
@@ -18236,7 +18284,7 @@
           </p:nvSpPr>
           <p:spPr>
             <a:xfrm>
-              <a:off x="479880" y="898200"/>
+              <a:off x="480240" y="914400"/>
               <a:ext cx="1833120" cy="462240"/>
             </a:xfrm>
             <a:prstGeom prst="roundRect">
@@ -18245,7 +18293,7 @@
               </a:avLst>
             </a:prstGeom>
             <a:solidFill>
-              <a:schemeClr val="accent3"/>
+              <a:schemeClr val="accent2"/>
             </a:solidFill>
             <a:ln w="12600">
               <a:noFill/>
@@ -18266,8 +18314,8 @@
           </p:nvSpPr>
           <p:spPr>
             <a:xfrm>
-              <a:off x="593640" y="961920"/>
-              <a:ext cx="1605600" cy="333720"/>
+              <a:off x="594000" y="978840"/>
+              <a:ext cx="1605600" cy="332640"/>
             </a:xfrm>
             <a:prstGeom prst="rect">
               <a:avLst/>
@@ -18297,12 +18345,12 @@
               <a:r>
                 <a:rPr b="1" lang="lt-LT" sz="1600" spc="-1" strike="noStrike">
                   <a:solidFill>
-                    <a:srgbClr val="feffff"/>
+                    <a:srgbClr val="000000"/>
                   </a:solidFill>
                   <a:latin typeface="Arial"/>
                   <a:ea typeface="Arial"/>
                 </a:rPr>
-                <a:t>Užduotis nr. 3</a:t>
+                <a:t>Namų darbas</a:t>
               </a:r>
               <a:endParaRPr b="0" lang="lt-LT" sz="1600" spc="-1" strike="noStrike">
                 <a:latin typeface="Arial"/>
@@ -18323,7 +18371,7 @@
         </p:blipFill>
         <p:spPr>
           <a:xfrm>
-            <a:off x="480240" y="1441440"/>
+            <a:off x="479880" y="1441440"/>
             <a:ext cx="11229840" cy="5226120"/>
           </a:xfrm>
           <a:prstGeom prst="rect">
@@ -18363,125 +18411,6 @@
           <a:bodyPr lIns="90000" rIns="90000" tIns="45000" bIns="45000" anchor="t">
             <a:noAutofit/>
           </a:bodyPr>
-          <a:p>
-            <a:pPr marL="285840" indent="-285480">
-              <a:lnSpc>
-                <a:spcPct val="100000"/>
-              </a:lnSpc>
-              <a:buClr>
-                <a:srgbClr val="000000"/>
-              </a:buClr>
-              <a:buFont typeface="Arial"/>
-              <a:buChar char="•"/>
-            </a:pPr>
-            <a:r>
-              <a:rPr b="0" lang="lt-LT" sz="1600" spc="-1" strike="noStrike">
-                <a:solidFill>
-                  <a:srgbClr val="000000"/>
-                </a:solidFill>
-                <a:latin typeface="Arial"/>
-                <a:ea typeface="Arial"/>
-              </a:rPr>
-              <a:t>Padaryti paleidžiamąjį failą iš 12 paskaitos 4 užduoties (pilna programa su vartotojo sąsaja)</a:t>
-            </a:r>
-            <a:endParaRPr b="0" lang="lt-LT" sz="1600" spc="-1" strike="noStrike">
-              <a:latin typeface="Arial"/>
-            </a:endParaRPr>
-          </a:p>
-          <a:p>
-            <a:pPr marL="285840" indent="-285480">
-              <a:lnSpc>
-                <a:spcPct val="100000"/>
-              </a:lnSpc>
-              <a:buClr>
-                <a:srgbClr val="000000"/>
-              </a:buClr>
-              <a:buFont typeface="Arial"/>
-              <a:buChar char="•"/>
-            </a:pPr>
-            <a:r>
-              <a:rPr b="0" lang="lt-LT" sz="1600" spc="-1" strike="noStrike">
-                <a:solidFill>
-                  <a:srgbClr val="000000"/>
-                </a:solidFill>
-                <a:latin typeface="Arial"/>
-                <a:ea typeface="Arial"/>
-              </a:rPr>
-              <a:t>Programa turi turėti programos lango ikoną ir norimą pavadinimą</a:t>
-            </a:r>
-            <a:endParaRPr b="0" lang="lt-LT" sz="1600" spc="-1" strike="noStrike">
-              <a:latin typeface="Arial"/>
-            </a:endParaRPr>
-          </a:p>
-          <a:p>
-            <a:pPr marL="285840" indent="-285480">
-              <a:lnSpc>
-                <a:spcPct val="100000"/>
-              </a:lnSpc>
-              <a:buClr>
-                <a:srgbClr val="000000"/>
-              </a:buClr>
-              <a:buFont typeface="Arial"/>
-              <a:buChar char="•"/>
-            </a:pPr>
-            <a:r>
-              <a:rPr b="0" lang="lt-LT" sz="1600" spc="-1" strike="noStrike">
-                <a:solidFill>
-                  <a:srgbClr val="000000"/>
-                </a:solidFill>
-                <a:latin typeface="Arial"/>
-                <a:ea typeface="Arial"/>
-              </a:rPr>
-              <a:t>Paleidžiamasis failas turi turėti norimą ikoną</a:t>
-            </a:r>
-            <a:endParaRPr b="0" lang="lt-LT" sz="1600" spc="-1" strike="noStrike">
-              <a:latin typeface="Arial"/>
-            </a:endParaRPr>
-          </a:p>
-          <a:p>
-            <a:pPr>
-              <a:lnSpc>
-                <a:spcPct val="100000"/>
-              </a:lnSpc>
-              <a:buNone/>
-            </a:pPr>
-            <a:endParaRPr b="0" lang="lt-LT" sz="1600" spc="-1" strike="noStrike">
-              <a:latin typeface="Arial"/>
-            </a:endParaRPr>
-          </a:p>
-          <a:p>
-            <a:pPr>
-              <a:lnSpc>
-                <a:spcPct val="100000"/>
-              </a:lnSpc>
-              <a:buNone/>
-            </a:pPr>
-            <a:endParaRPr b="0" lang="lt-LT" sz="1600" spc="-1" strike="noStrike">
-              <a:latin typeface="Arial"/>
-            </a:endParaRPr>
-          </a:p>
-          <a:p>
-            <a:pPr>
-              <a:lnSpc>
-                <a:spcPct val="100000"/>
-              </a:lnSpc>
-              <a:buNone/>
-            </a:pPr>
-            <a:endParaRPr b="0" lang="lt-LT" sz="1600" spc="-1" strike="noStrike">
-              <a:latin typeface="Arial"/>
-            </a:endParaRPr>
-          </a:p>
-          <a:p>
-            <a:pPr>
-              <a:lnSpc>
-                <a:spcPct val="100000"/>
-              </a:lnSpc>
-              <a:buNone/>
-            </a:pPr>
-            <a:endParaRPr b="0" lang="lt-LT" sz="1600" spc="-1" strike="noStrike">
-              <a:latin typeface="Arial"/>
-            </a:endParaRPr>
-          </a:p>
           <a:p>
             <a:pPr>
               <a:lnSpc>
@@ -18492,35 +18421,17 @@
               </a:spcBef>
               <a:buNone/>
             </a:pPr>
-            <a:endParaRPr b="0" lang="lt-LT" sz="1600" spc="-1" strike="noStrike">
-              <a:latin typeface="Arial"/>
-            </a:endParaRPr>
-          </a:p>
-          <a:p>
-            <a:pPr>
-              <a:lnSpc>
-                <a:spcPct val="90000"/>
-              </a:lnSpc>
-              <a:spcBef>
-                <a:spcPts val="1001"/>
-              </a:spcBef>
-              <a:buNone/>
-            </a:pPr>
-            <a:endParaRPr b="0" lang="lt-LT" sz="1600" spc="-1" strike="noStrike">
-              <a:latin typeface="Arial"/>
-            </a:endParaRPr>
-          </a:p>
-          <a:p>
-            <a:pPr>
-              <a:lnSpc>
-                <a:spcPct val="90000"/>
-              </a:lnSpc>
-              <a:spcBef>
-                <a:spcPts val="1001"/>
-              </a:spcBef>
-              <a:buNone/>
-            </a:pPr>
-            <a:endParaRPr b="0" lang="lt-LT" sz="1600" spc="-1" strike="noStrike">
+            <a:r>
+              <a:rPr b="0" lang="lt-LT" sz="1400" spc="-1" strike="noStrike">
+                <a:solidFill>
+                  <a:srgbClr val="000000"/>
+                </a:solidFill>
+                <a:latin typeface="Arial"/>
+                <a:ea typeface="Arial"/>
+              </a:rPr>
+              <a:t>Užbaigti klasėje nepadarytas užduotis</a:t>
+            </a:r>
+            <a:endParaRPr b="0" lang="lt-LT" sz="1400" spc="-1" strike="noStrike">
               <a:latin typeface="Arial"/>
             </a:endParaRPr>
           </a:p>
@@ -19002,291 +18913,6 @@
         <p:spPr>
           <a:xfrm>
             <a:off x="480240" y="460800"/>
-            <a:ext cx="5613480" cy="451440"/>
-          </a:xfrm>
-          <a:prstGeom prst="rect">
-            <a:avLst/>
-          </a:prstGeom>
-          <a:noFill/>
-          <a:ln w="12600">
-            <a:noFill/>
-          </a:ln>
-        </p:spPr>
-        <p:style>
-          <a:lnRef idx="0"/>
-          <a:fillRef idx="0"/>
-          <a:effectRef idx="0"/>
-          <a:fontRef idx="minor"/>
-        </p:style>
-        <p:txBody>
-          <a:bodyPr lIns="45720" rIns="45720" tIns="45000" bIns="45000" anchor="t">
-            <a:normAutofit/>
-          </a:bodyPr>
-          <a:p>
-            <a:pPr>
-              <a:lnSpc>
-                <a:spcPct val="100000"/>
-              </a:lnSpc>
-              <a:buNone/>
-            </a:pPr>
-            <a:r>
-              <a:rPr b="0" lang="lt-LT" sz="1300" spc="-1" strike="noStrike">
-                <a:solidFill>
-                  <a:srgbClr val="feffff"/>
-                </a:solidFill>
-                <a:latin typeface="Arial"/>
-                <a:ea typeface="Arial"/>
-              </a:rPr>
-              <a:t>17 paskaita. Virtuali aplinka, paleidžiamieji failai</a:t>
-            </a:r>
-            <a:endParaRPr b="0" lang="lt-LT" sz="1300" spc="-1" strike="noStrike">
-              <a:latin typeface="Arial"/>
-            </a:endParaRPr>
-          </a:p>
-          <a:p>
-            <a:pPr>
-              <a:lnSpc>
-                <a:spcPct val="90000"/>
-              </a:lnSpc>
-              <a:spcBef>
-                <a:spcPts val="1001"/>
-              </a:spcBef>
-              <a:buNone/>
-            </a:pPr>
-            <a:endParaRPr b="0" lang="lt-LT" sz="1300" spc="-1" strike="noStrike">
-              <a:latin typeface="Arial"/>
-            </a:endParaRPr>
-          </a:p>
-          <a:p>
-            <a:pPr>
-              <a:lnSpc>
-                <a:spcPct val="90000"/>
-              </a:lnSpc>
-              <a:spcBef>
-                <a:spcPts val="1001"/>
-              </a:spcBef>
-              <a:buNone/>
-            </a:pPr>
-            <a:endParaRPr b="0" lang="lt-LT" sz="1300" spc="-1" strike="noStrike">
-              <a:latin typeface="Arial"/>
-            </a:endParaRPr>
-          </a:p>
-        </p:txBody>
-      </p:sp>
-      <p:grpSp>
-        <p:nvGrpSpPr>
-          <p:cNvPr id="366" name="Group 2"/>
-          <p:cNvGrpSpPr/>
-          <p:nvPr/>
-        </p:nvGrpSpPr>
-        <p:grpSpPr>
-          <a:xfrm>
-            <a:off x="480240" y="914400"/>
-            <a:ext cx="1833120" cy="462240"/>
-            <a:chOff x="480240" y="914400"/>
-            <a:chExt cx="1833120" cy="462240"/>
-          </a:xfrm>
-        </p:grpSpPr>
-        <p:sp>
-          <p:nvSpPr>
-            <p:cNvPr id="367" name="CustomShape 3"/>
-            <p:cNvSpPr/>
-            <p:nvPr/>
-          </p:nvSpPr>
-          <p:spPr>
-            <a:xfrm>
-              <a:off x="480240" y="914400"/>
-              <a:ext cx="1833120" cy="462240"/>
-            </a:xfrm>
-            <a:prstGeom prst="roundRect">
-              <a:avLst>
-                <a:gd name="adj" fmla="val 50000"/>
-              </a:avLst>
-            </a:prstGeom>
-            <a:solidFill>
-              <a:schemeClr val="accent2"/>
-            </a:solidFill>
-            <a:ln w="12600">
-              <a:noFill/>
-            </a:ln>
-          </p:spPr>
-          <p:style>
-            <a:lnRef idx="0"/>
-            <a:fillRef idx="0"/>
-            <a:effectRef idx="0"/>
-            <a:fontRef idx="minor"/>
-          </p:style>
-        </p:sp>
-        <p:sp>
-          <p:nvSpPr>
-            <p:cNvPr id="368" name="CustomShape 4"/>
-            <p:cNvSpPr/>
-            <p:nvPr/>
-          </p:nvSpPr>
-          <p:spPr>
-            <a:xfrm>
-              <a:off x="594000" y="978840"/>
-              <a:ext cx="1605600" cy="332640"/>
-            </a:xfrm>
-            <a:prstGeom prst="rect">
-              <a:avLst/>
-            </a:prstGeom>
-            <a:noFill/>
-            <a:ln w="12600">
-              <a:noFill/>
-            </a:ln>
-          </p:spPr>
-          <p:style>
-            <a:lnRef idx="0"/>
-            <a:fillRef idx="0"/>
-            <a:effectRef idx="0"/>
-            <a:fontRef idx="minor"/>
-          </p:style>
-          <p:txBody>
-            <a:bodyPr lIns="45720" rIns="45720" tIns="45000" bIns="45000" anchor="ctr">
-              <a:spAutoFit/>
-            </a:bodyPr>
-            <a:p>
-              <a:pPr algn="ctr">
-                <a:lnSpc>
-                  <a:spcPct val="100000"/>
-                </a:lnSpc>
-                <a:buNone/>
-              </a:pPr>
-              <a:r>
-                <a:rPr b="1" lang="lt-LT" sz="1600" spc="-1" strike="noStrike">
-                  <a:solidFill>
-                    <a:srgbClr val="000000"/>
-                  </a:solidFill>
-                  <a:latin typeface="Arial"/>
-                  <a:ea typeface="Arial"/>
-                </a:rPr>
-                <a:t>Namų darbas</a:t>
-              </a:r>
-              <a:endParaRPr b="0" lang="lt-LT" sz="1600" spc="-1" strike="noStrike">
-                <a:latin typeface="Arial"/>
-              </a:endParaRPr>
-            </a:p>
-          </p:txBody>
-        </p:sp>
-      </p:grpSp>
-      <p:pic>
-        <p:nvPicPr>
-          <p:cNvPr id="369" name="Picture Placeholder 2" descr=""/>
-          <p:cNvPicPr/>
-          <p:nvPr/>
-        </p:nvPicPr>
-        <p:blipFill>
-          <a:blip r:embed="rId1"/>
-          <a:stretch/>
-        </p:blipFill>
-        <p:spPr>
-          <a:xfrm>
-            <a:off x="479880" y="1441440"/>
-            <a:ext cx="11229840" cy="5226120"/>
-          </a:xfrm>
-          <a:prstGeom prst="rect">
-            <a:avLst/>
-          </a:prstGeom>
-          <a:ln w="12600">
-            <a:noFill/>
-          </a:ln>
-        </p:spPr>
-      </p:pic>
-      <p:sp>
-        <p:nvSpPr>
-          <p:cNvPr id="370" name="CustomShape 5"/>
-          <p:cNvSpPr/>
-          <p:nvPr/>
-        </p:nvSpPr>
-        <p:spPr>
-          <a:xfrm>
-            <a:off x="594000" y="1832400"/>
-            <a:ext cx="10717200" cy="4562640"/>
-          </a:xfrm>
-          <a:prstGeom prst="rect">
-            <a:avLst/>
-          </a:prstGeom>
-          <a:noFill/>
-          <a:ln w="12600">
-            <a:noFill/>
-          </a:ln>
-        </p:spPr>
-        <p:style>
-          <a:lnRef idx="0"/>
-          <a:fillRef idx="0"/>
-          <a:effectRef idx="0"/>
-          <a:fontRef idx="minor"/>
-        </p:style>
-        <p:txBody>
-          <a:bodyPr lIns="90000" rIns="90000" tIns="45000" bIns="45000" anchor="t">
-            <a:noAutofit/>
-          </a:bodyPr>
-          <a:p>
-            <a:pPr>
-              <a:lnSpc>
-                <a:spcPct val="90000"/>
-              </a:lnSpc>
-              <a:spcBef>
-                <a:spcPts val="1001"/>
-              </a:spcBef>
-              <a:buNone/>
-            </a:pPr>
-            <a:r>
-              <a:rPr b="0" lang="lt-LT" sz="1400" spc="-1" strike="noStrike">
-                <a:solidFill>
-                  <a:srgbClr val="000000"/>
-                </a:solidFill>
-                <a:latin typeface="Arial"/>
-                <a:ea typeface="Arial"/>
-              </a:rPr>
-              <a:t>Užbaigti klasėje nepadarytas užduotis</a:t>
-            </a:r>
-            <a:endParaRPr b="0" lang="lt-LT" sz="1400" spc="-1" strike="noStrike">
-              <a:latin typeface="Arial"/>
-            </a:endParaRPr>
-          </a:p>
-        </p:txBody>
-      </p:sp>
-    </p:spTree>
-  </p:cSld>
-  <mc:AlternateContent>
-    <mc:Choice Requires="p14">
-      <p:transition spd="slow" p14:dur="2000"/>
-    </mc:Choice>
-    <mc:Fallback>
-      <p:transition spd="slow"/>
-    </mc:Fallback>
-  </mc:AlternateContent>
-</p:sld>
-</file>
-
-<file path=ppt/slides/slide21.xml><?xml version="1.0" encoding="utf-8"?>
-<p:sld xmlns:a="http://schemas.openxmlformats.org/drawingml/2006/main" xmlns:p="http://schemas.openxmlformats.org/presentationml/2006/main" xmlns:r="http://schemas.openxmlformats.org/officeDocument/2006/relationships" xmlns:p14="http://schemas.microsoft.com/office/powerpoint/2010/main" xmlns:p15="http://schemas.microsoft.com/office/powerpoint/2012/main" xmlns:mc="http://schemas.openxmlformats.org/markup-compatibility/2006">
-  <p:cSld>
-    <p:spTree>
-      <p:nvGrpSpPr>
-        <p:cNvPr id="1" name=""/>
-        <p:cNvGrpSpPr/>
-        <p:nvPr/>
-      </p:nvGrpSpPr>
-      <p:grpSpPr>
-        <a:xfrm>
-          <a:off x="0" y="0"/>
-          <a:ext cx="0" cy="0"/>
-          <a:chOff x="0" y="0"/>
-          <a:chExt cx="0" cy="0"/>
-        </a:xfrm>
-      </p:grpSpPr>
-      <p:sp>
-        <p:nvSpPr>
-          <p:cNvPr id="371" name="CustomShape 1"/>
-          <p:cNvSpPr/>
-          <p:nvPr/>
-        </p:nvSpPr>
-        <p:spPr>
-          <a:xfrm>
-            <a:off x="480240" y="460800"/>
             <a:ext cx="5614200" cy="452160"/>
           </a:xfrm>
           <a:prstGeom prst="rect">
@@ -19349,7 +18975,7 @@
       </p:sp>
       <p:sp>
         <p:nvSpPr>
-          <p:cNvPr id="372" name="CustomShape 2"/>
+          <p:cNvPr id="366" name="CustomShape 2"/>
           <p:cNvSpPr/>
           <p:nvPr/>
         </p:nvSpPr>
@@ -19404,7 +19030,7 @@
       </p:sp>
       <p:sp>
         <p:nvSpPr>
-          <p:cNvPr id="373" name="CustomShape 3"/>
+          <p:cNvPr id="367" name="CustomShape 3"/>
           <p:cNvSpPr/>
           <p:nvPr/>
         </p:nvSpPr>
@@ -19459,7 +19085,7 @@
       </p:sp>
       <p:sp>
         <p:nvSpPr>
-          <p:cNvPr id="374" name="CustomShape 4"/>
+          <p:cNvPr id="368" name="CustomShape 4"/>
           <p:cNvSpPr/>
           <p:nvPr/>
         </p:nvSpPr>
@@ -19511,7 +19137,7 @@
       </p:sp>
       <p:sp>
         <p:nvSpPr>
-          <p:cNvPr id="375" name="CustomShape 5"/>
+          <p:cNvPr id="369" name="CustomShape 5"/>
           <p:cNvSpPr/>
           <p:nvPr/>
         </p:nvSpPr>
@@ -19606,7 +19232,7 @@
       </p:sp>
       <p:sp>
         <p:nvSpPr>
-          <p:cNvPr id="376" name="CustomShape 6"/>
+          <p:cNvPr id="370" name="CustomShape 6"/>
           <p:cNvSpPr/>
           <p:nvPr/>
         </p:nvSpPr>
@@ -19661,7 +19287,7 @@
       </p:sp>
       <p:sp>
         <p:nvSpPr>
-          <p:cNvPr id="377" name="CustomShape 7"/>
+          <p:cNvPr id="371" name="CustomShape 7"/>
           <p:cNvSpPr/>
           <p:nvPr/>
         </p:nvSpPr>
@@ -19716,7 +19342,7 @@
       </p:sp>
       <p:sp>
         <p:nvSpPr>
-          <p:cNvPr id="378" name="CustomShape 8"/>
+          <p:cNvPr id="372" name="CustomShape 8"/>
           <p:cNvSpPr/>
           <p:nvPr/>
         </p:nvSpPr>
